--- a/docs/Presentation.pptx
+++ b/docs/Presentation.pptx
@@ -5,15 +5,20 @@
     <p:sldMasterId id="2147483648" r:id="rId1"/>
   </p:sldMasterIdLst>
   <p:notesMasterIdLst>
-    <p:notesMasterId r:id="rId5"/>
+    <p:notesMasterId r:id="rId10"/>
   </p:notesMasterIdLst>
   <p:handoutMasterIdLst>
-    <p:handoutMasterId r:id="rId6"/>
+    <p:handoutMasterId r:id="rId11"/>
   </p:handoutMasterIdLst>
   <p:sldIdLst>
     <p:sldId id="256" r:id="rId2"/>
     <p:sldId id="272" r:id="rId3"/>
-    <p:sldId id="271" r:id="rId4"/>
+    <p:sldId id="273" r:id="rId4"/>
+    <p:sldId id="274" r:id="rId5"/>
+    <p:sldId id="275" r:id="rId6"/>
+    <p:sldId id="276" r:id="rId7"/>
+    <p:sldId id="277" r:id="rId8"/>
+    <p:sldId id="271" r:id="rId9"/>
   </p:sldIdLst>
   <p:sldSz cx="12192000" cy="6858000"/>
   <p:notesSz cx="6858000" cy="9296400"/>
@@ -883,7 +888,7 @@
           <a:p>
             <a:fld id="{A4D03397-3AE6-9746-9A4C-E035A7993F09}" type="slidenum">
               <a:rPr lang="en-US" smtClean="0"/>
-              <a:t>3</a:t>
+              <a:t>8</a:t>
             </a:fld>
             <a:endParaRPr lang="en-US"/>
           </a:p>
@@ -3927,7 +3932,14 @@
             </a:br>
             <a:r>
               <a:rPr lang="en-US" sz="4800" dirty="0" smtClean="0"/>
-              <a:t>An innovative IoT-based solution for rural residents and health providers</a:t>
+              <a:t>An innovative IoT-based solution </a:t>
+            </a:r>
+            <a:br>
+              <a:rPr lang="en-US" sz="4800" dirty="0" smtClean="0"/>
+            </a:br>
+            <a:r>
+              <a:rPr lang="en-US" sz="4800" dirty="0" smtClean="0"/>
+              <a:t>for rural healthcare</a:t>
             </a:r>
             <a:endParaRPr lang="en-US" sz="4800" b="1" dirty="0"/>
           </a:p>
@@ -4366,43 +4378,45 @@
         </p:nvSpPr>
         <p:spPr/>
         <p:txBody>
-          <a:bodyPr/>
-          <a:lstStyle/>
-          <a:p>
-            <a:r>
-              <a:rPr lang="en-US" dirty="0" smtClean="0"/>
+          <a:bodyPr>
+            <a:normAutofit/>
+          </a:bodyPr>
+          <a:lstStyle/>
+          <a:p>
+            <a:r>
+              <a:rPr lang="en-US" sz="2800" dirty="0" smtClean="0"/>
               <a:t>Motivation</a:t>
             </a:r>
           </a:p>
           <a:p>
             <a:r>
-              <a:rPr lang="en-US" dirty="0" smtClean="0"/>
+              <a:rPr lang="en-US" sz="2800" dirty="0" smtClean="0"/>
               <a:t>RuralCare – an </a:t>
             </a:r>
             <a:r>
-              <a:rPr lang="en-US" dirty="0" smtClean="0"/>
+              <a:rPr lang="en-US" sz="2800" dirty="0" smtClean="0"/>
               <a:t>game changer in rural healthcare</a:t>
             </a:r>
-            <a:endParaRPr lang="en-US" dirty="0" smtClean="0"/>
-          </a:p>
-          <a:p>
-            <a:r>
-              <a:rPr lang="en-US" dirty="0" smtClean="0"/>
+            <a:endParaRPr lang="en-US" sz="2800" dirty="0" smtClean="0"/>
+          </a:p>
+          <a:p>
+            <a:r>
+              <a:rPr lang="en-US" sz="2800" dirty="0" smtClean="0"/>
               <a:t>Implementation</a:t>
             </a:r>
           </a:p>
           <a:p>
             <a:r>
-              <a:rPr lang="en-US" dirty="0" smtClean="0"/>
+              <a:rPr lang="en-US" sz="2800" dirty="0" smtClean="0"/>
               <a:t>Demonstration</a:t>
             </a:r>
           </a:p>
           <a:p>
             <a:r>
-              <a:rPr lang="en-US" dirty="0" smtClean="0"/>
+              <a:rPr lang="en-US" sz="2800" dirty="0" smtClean="0"/>
               <a:t>Conclusion &amp; Future Work</a:t>
             </a:r>
-            <a:endParaRPr lang="en-US" dirty="0" smtClean="0"/>
+            <a:endParaRPr lang="en-US" sz="2800" dirty="0" smtClean="0"/>
           </a:p>
         </p:txBody>
       </p:sp>
@@ -4450,6 +4464,657 @@
 </file>
 
 <file path=ppt/slides/slide3.xml><?xml version="1.0" encoding="utf-8"?>
+<p:sld xmlns:a="http://schemas.openxmlformats.org/drawingml/2006/main" xmlns:r="http://schemas.openxmlformats.org/officeDocument/2006/relationships" xmlns:p="http://schemas.openxmlformats.org/presentationml/2006/main">
+  <p:cSld>
+    <p:spTree>
+      <p:nvGrpSpPr>
+        <p:cNvPr id="1" name=""/>
+        <p:cNvGrpSpPr/>
+        <p:nvPr/>
+      </p:nvGrpSpPr>
+      <p:grpSpPr>
+        <a:xfrm>
+          <a:off x="0" y="0"/>
+          <a:ext cx="0" cy="0"/>
+          <a:chOff x="0" y="0"/>
+          <a:chExt cx="0" cy="0"/>
+        </a:xfrm>
+      </p:grpSpPr>
+      <p:sp>
+        <p:nvSpPr>
+          <p:cNvPr id="2" name="Title 1"/>
+          <p:cNvSpPr>
+            <a:spLocks noGrp="1"/>
+          </p:cNvSpPr>
+          <p:nvPr>
+            <p:ph type="title"/>
+          </p:nvPr>
+        </p:nvSpPr>
+        <p:spPr/>
+        <p:txBody>
+          <a:bodyPr/>
+          <a:lstStyle/>
+          <a:p>
+            <a:r>
+              <a:rPr lang="en-US" dirty="0" smtClean="0"/>
+              <a:t>Motivation</a:t>
+            </a:r>
+            <a:endParaRPr lang="en-US" dirty="0"/>
+          </a:p>
+        </p:txBody>
+      </p:sp>
+      <p:sp>
+        <p:nvSpPr>
+          <p:cNvPr id="3" name="Content Placeholder 2"/>
+          <p:cNvSpPr>
+            <a:spLocks noGrp="1"/>
+          </p:cNvSpPr>
+          <p:nvPr>
+            <p:ph idx="1"/>
+          </p:nvPr>
+        </p:nvSpPr>
+        <p:spPr/>
+        <p:txBody>
+          <a:bodyPr/>
+          <a:lstStyle/>
+          <a:p>
+            <a:endParaRPr lang="en-US"/>
+          </a:p>
+        </p:txBody>
+      </p:sp>
+      <p:sp>
+        <p:nvSpPr>
+          <p:cNvPr id="4" name="Slide Number Placeholder 3"/>
+          <p:cNvSpPr>
+            <a:spLocks noGrp="1"/>
+          </p:cNvSpPr>
+          <p:nvPr>
+            <p:ph type="sldNum" sz="quarter" idx="12"/>
+          </p:nvPr>
+        </p:nvSpPr>
+        <p:spPr/>
+        <p:txBody>
+          <a:bodyPr/>
+          <a:lstStyle/>
+          <a:p>
+            <a:fld id="{31DB0428-7B89-48B1-BFEB-934444E253F5}" type="slidenum">
+              <a:rPr lang="en-US" smtClean="0"/>
+              <a:t>3</a:t>
+            </a:fld>
+            <a:endParaRPr lang="en-US"/>
+          </a:p>
+        </p:txBody>
+      </p:sp>
+    </p:spTree>
+    <p:extLst>
+      <p:ext uri="{BB962C8B-B14F-4D97-AF65-F5344CB8AC3E}">
+        <p14:creationId xmlns:p14="http://schemas.microsoft.com/office/powerpoint/2010/main" val="1324877639"/>
+      </p:ext>
+    </p:extLst>
+  </p:cSld>
+  <p:clrMapOvr>
+    <a:masterClrMapping/>
+  </p:clrMapOvr>
+</p:sld>
+</file>
+
+<file path=ppt/slides/slide4.xml><?xml version="1.0" encoding="utf-8"?>
+<p:sld xmlns:a="http://schemas.openxmlformats.org/drawingml/2006/main" xmlns:r="http://schemas.openxmlformats.org/officeDocument/2006/relationships" xmlns:p="http://schemas.openxmlformats.org/presentationml/2006/main">
+  <p:cSld>
+    <p:spTree>
+      <p:nvGrpSpPr>
+        <p:cNvPr id="1" name=""/>
+        <p:cNvGrpSpPr/>
+        <p:nvPr/>
+      </p:nvGrpSpPr>
+      <p:grpSpPr>
+        <a:xfrm>
+          <a:off x="0" y="0"/>
+          <a:ext cx="0" cy="0"/>
+          <a:chOff x="0" y="0"/>
+          <a:chExt cx="0" cy="0"/>
+        </a:xfrm>
+      </p:grpSpPr>
+      <p:sp>
+        <p:nvSpPr>
+          <p:cNvPr id="2" name="Title 1"/>
+          <p:cNvSpPr>
+            <a:spLocks noGrp="1"/>
+          </p:cNvSpPr>
+          <p:nvPr>
+            <p:ph type="title"/>
+          </p:nvPr>
+        </p:nvSpPr>
+        <p:spPr/>
+        <p:txBody>
+          <a:bodyPr/>
+          <a:lstStyle/>
+          <a:p>
+            <a:r>
+              <a:rPr lang="en-US" dirty="0" smtClean="0"/>
+              <a:t>RuralCare - Overview</a:t>
+            </a:r>
+            <a:endParaRPr lang="en-US" dirty="0"/>
+          </a:p>
+        </p:txBody>
+      </p:sp>
+      <p:sp>
+        <p:nvSpPr>
+          <p:cNvPr id="4" name="Slide Number Placeholder 3"/>
+          <p:cNvSpPr>
+            <a:spLocks noGrp="1"/>
+          </p:cNvSpPr>
+          <p:nvPr>
+            <p:ph type="sldNum" sz="quarter" idx="12"/>
+          </p:nvPr>
+        </p:nvSpPr>
+        <p:spPr/>
+        <p:txBody>
+          <a:bodyPr/>
+          <a:lstStyle/>
+          <a:p>
+            <a:fld id="{31DB0428-7B89-48B1-BFEB-934444E253F5}" type="slidenum">
+              <a:rPr lang="en-US" smtClean="0"/>
+              <a:t>4</a:t>
+            </a:fld>
+            <a:endParaRPr lang="en-US"/>
+          </a:p>
+        </p:txBody>
+      </p:sp>
+      <p:pic>
+        <p:nvPicPr>
+          <p:cNvPr id="7" name="Content Placeholder 6"/>
+          <p:cNvPicPr>
+            <a:picLocks noGrp="1" noChangeAspect="1"/>
+          </p:cNvPicPr>
+          <p:nvPr>
+            <p:ph idx="1"/>
+          </p:nvPr>
+        </p:nvPicPr>
+        <p:blipFill>
+          <a:blip r:embed="rId2">
+            <a:extLst>
+              <a:ext uri="{28A0092B-C50C-407E-A947-70E740481C1C}">
+                <a14:useLocalDpi xmlns:a14="http://schemas.microsoft.com/office/drawing/2010/main" val="0"/>
+              </a:ext>
+            </a:extLst>
+          </a:blip>
+          <a:stretch>
+            <a:fillRect/>
+          </a:stretch>
+        </p:blipFill>
+        <p:spPr>
+          <a:xfrm>
+            <a:off x="147484" y="1185861"/>
+            <a:ext cx="7580672" cy="5201424"/>
+          </a:xfrm>
+        </p:spPr>
+      </p:pic>
+      <p:sp>
+        <p:nvSpPr>
+          <p:cNvPr id="8" name="TextBox 7"/>
+          <p:cNvSpPr txBox="1"/>
+          <p:nvPr/>
+        </p:nvSpPr>
+        <p:spPr>
+          <a:xfrm>
+            <a:off x="7870723" y="1267944"/>
+            <a:ext cx="4321277" cy="5201424"/>
+          </a:xfrm>
+          <a:prstGeom prst="rect">
+            <a:avLst/>
+          </a:prstGeom>
+          <a:noFill/>
+        </p:spPr>
+        <p:txBody>
+          <a:bodyPr wrap="square" rtlCol="0">
+            <a:spAutoFit/>
+          </a:bodyPr>
+          <a:lstStyle/>
+          <a:p>
+            <a:r>
+              <a:rPr lang="en-US" sz="2400" dirty="0" smtClean="0"/>
+              <a:t>RuralCare </a:t>
+            </a:r>
+            <a:r>
+              <a:rPr lang="en-US" sz="2400" dirty="0"/>
+              <a:t>aims at providing a home health service which </a:t>
+            </a:r>
+            <a:r>
+              <a:rPr lang="en-US" sz="2400" dirty="0" smtClean="0"/>
+              <a:t>has following features: </a:t>
+            </a:r>
+          </a:p>
+          <a:p>
+            <a:pPr marL="342900" indent="-342900">
+              <a:buFont typeface="+mj-lt"/>
+              <a:buAutoNum type="arabicPeriod"/>
+            </a:pPr>
+            <a:r>
+              <a:rPr lang="en-US" sz="2000" dirty="0" smtClean="0"/>
+              <a:t>Monitor </a:t>
+            </a:r>
+            <a:r>
+              <a:rPr lang="en-US" sz="2000" dirty="0"/>
+              <a:t>biomedical data of human.</a:t>
+            </a:r>
+          </a:p>
+          <a:p>
+            <a:pPr marL="342900" indent="-342900">
+              <a:buFont typeface="+mj-lt"/>
+              <a:buAutoNum type="arabicPeriod"/>
+            </a:pPr>
+            <a:r>
+              <a:rPr lang="en-US" sz="2000" dirty="0"/>
+              <a:t>Detect body activities via motion sensor</a:t>
+            </a:r>
+          </a:p>
+          <a:p>
+            <a:pPr marL="342900" indent="-342900">
+              <a:buFont typeface="+mj-lt"/>
+              <a:buAutoNum type="arabicPeriod"/>
+            </a:pPr>
+            <a:r>
+              <a:rPr lang="en-US" sz="2000" dirty="0"/>
+              <a:t>Monitor hydration via drinking sound detection</a:t>
+            </a:r>
+          </a:p>
+          <a:p>
+            <a:pPr marL="342900" indent="-342900">
+              <a:buFont typeface="+mj-lt"/>
+              <a:buAutoNum type="arabicPeriod"/>
+            </a:pPr>
+            <a:r>
+              <a:rPr lang="en-US" sz="2000" dirty="0"/>
+              <a:t>Monitor negative emotion via heart signal</a:t>
+            </a:r>
+          </a:p>
+          <a:p>
+            <a:pPr marL="342900" indent="-342900">
+              <a:buFont typeface="+mj-lt"/>
+              <a:buAutoNum type="arabicPeriod"/>
+            </a:pPr>
+            <a:r>
+              <a:rPr lang="en-US" sz="2000" dirty="0"/>
+              <a:t>Provide doctors/caregivers a visually real-time health metrics</a:t>
+            </a:r>
+          </a:p>
+          <a:p>
+            <a:pPr marL="342900" indent="-342900">
+              <a:buFont typeface="+mj-lt"/>
+              <a:buAutoNum type="arabicPeriod"/>
+            </a:pPr>
+            <a:r>
+              <a:rPr lang="en-US" sz="2000" dirty="0"/>
+              <a:t>Provide healthcare delivery via video call from doctors or home robot assistant</a:t>
+            </a:r>
+          </a:p>
+          <a:p>
+            <a:endParaRPr lang="en-US" sz="2000" dirty="0"/>
+          </a:p>
+        </p:txBody>
+      </p:sp>
+    </p:spTree>
+    <p:extLst>
+      <p:ext uri="{BB962C8B-B14F-4D97-AF65-F5344CB8AC3E}">
+        <p14:creationId xmlns:p14="http://schemas.microsoft.com/office/powerpoint/2010/main" val="4116198017"/>
+      </p:ext>
+    </p:extLst>
+  </p:cSld>
+  <p:clrMapOvr>
+    <a:masterClrMapping/>
+  </p:clrMapOvr>
+</p:sld>
+</file>
+
+<file path=ppt/slides/slide5.xml><?xml version="1.0" encoding="utf-8"?>
+<p:sld xmlns:a="http://schemas.openxmlformats.org/drawingml/2006/main" xmlns:r="http://schemas.openxmlformats.org/officeDocument/2006/relationships" xmlns:p="http://schemas.openxmlformats.org/presentationml/2006/main">
+  <p:cSld>
+    <p:spTree>
+      <p:nvGrpSpPr>
+        <p:cNvPr id="1" name=""/>
+        <p:cNvGrpSpPr/>
+        <p:nvPr/>
+      </p:nvGrpSpPr>
+      <p:grpSpPr>
+        <a:xfrm>
+          <a:off x="0" y="0"/>
+          <a:ext cx="0" cy="0"/>
+          <a:chOff x="0" y="0"/>
+          <a:chExt cx="0" cy="0"/>
+        </a:xfrm>
+      </p:grpSpPr>
+      <p:sp>
+        <p:nvSpPr>
+          <p:cNvPr id="2" name="Title 1"/>
+          <p:cNvSpPr>
+            <a:spLocks noGrp="1"/>
+          </p:cNvSpPr>
+          <p:nvPr>
+            <p:ph type="title"/>
+          </p:nvPr>
+        </p:nvSpPr>
+        <p:spPr/>
+        <p:txBody>
+          <a:bodyPr/>
+          <a:lstStyle/>
+          <a:p>
+            <a:r>
+              <a:rPr lang="en-US" dirty="0" smtClean="0"/>
+              <a:t>Implementation</a:t>
+            </a:r>
+            <a:endParaRPr lang="en-US" dirty="0"/>
+          </a:p>
+        </p:txBody>
+      </p:sp>
+      <p:sp>
+        <p:nvSpPr>
+          <p:cNvPr id="3" name="Content Placeholder 2"/>
+          <p:cNvSpPr>
+            <a:spLocks noGrp="1"/>
+          </p:cNvSpPr>
+          <p:nvPr>
+            <p:ph idx="1"/>
+          </p:nvPr>
+        </p:nvSpPr>
+        <p:spPr/>
+        <p:txBody>
+          <a:bodyPr/>
+          <a:lstStyle/>
+          <a:p>
+            <a:endParaRPr lang="en-US" dirty="0"/>
+          </a:p>
+        </p:txBody>
+      </p:sp>
+      <p:sp>
+        <p:nvSpPr>
+          <p:cNvPr id="4" name="Slide Number Placeholder 3"/>
+          <p:cNvSpPr>
+            <a:spLocks noGrp="1"/>
+          </p:cNvSpPr>
+          <p:nvPr>
+            <p:ph type="sldNum" sz="quarter" idx="12"/>
+          </p:nvPr>
+        </p:nvSpPr>
+        <p:spPr/>
+        <p:txBody>
+          <a:bodyPr/>
+          <a:lstStyle/>
+          <a:p>
+            <a:fld id="{31DB0428-7B89-48B1-BFEB-934444E253F5}" type="slidenum">
+              <a:rPr lang="en-US" smtClean="0"/>
+              <a:t>5</a:t>
+            </a:fld>
+            <a:endParaRPr lang="en-US"/>
+          </a:p>
+        </p:txBody>
+      </p:sp>
+    </p:spTree>
+    <p:extLst>
+      <p:ext uri="{BB962C8B-B14F-4D97-AF65-F5344CB8AC3E}">
+        <p14:creationId xmlns:p14="http://schemas.microsoft.com/office/powerpoint/2010/main" val="963906849"/>
+      </p:ext>
+    </p:extLst>
+  </p:cSld>
+  <p:clrMapOvr>
+    <a:masterClrMapping/>
+  </p:clrMapOvr>
+</p:sld>
+</file>
+
+<file path=ppt/slides/slide6.xml><?xml version="1.0" encoding="utf-8"?>
+<p:sld xmlns:a="http://schemas.openxmlformats.org/drawingml/2006/main" xmlns:r="http://schemas.openxmlformats.org/officeDocument/2006/relationships" xmlns:p="http://schemas.openxmlformats.org/presentationml/2006/main">
+  <p:cSld>
+    <p:spTree>
+      <p:nvGrpSpPr>
+        <p:cNvPr id="1" name=""/>
+        <p:cNvGrpSpPr/>
+        <p:nvPr/>
+      </p:nvGrpSpPr>
+      <p:grpSpPr>
+        <a:xfrm>
+          <a:off x="0" y="0"/>
+          <a:ext cx="0" cy="0"/>
+          <a:chOff x="0" y="0"/>
+          <a:chExt cx="0" cy="0"/>
+        </a:xfrm>
+      </p:grpSpPr>
+      <p:sp>
+        <p:nvSpPr>
+          <p:cNvPr id="2" name="Title 1"/>
+          <p:cNvSpPr>
+            <a:spLocks noGrp="1"/>
+          </p:cNvSpPr>
+          <p:nvPr>
+            <p:ph type="title"/>
+          </p:nvPr>
+        </p:nvSpPr>
+        <p:spPr/>
+        <p:txBody>
+          <a:bodyPr/>
+          <a:lstStyle/>
+          <a:p>
+            <a:r>
+              <a:rPr lang="en-US" dirty="0" smtClean="0"/>
+              <a:t>Demonstration</a:t>
+            </a:r>
+            <a:endParaRPr lang="en-US" dirty="0"/>
+          </a:p>
+        </p:txBody>
+      </p:sp>
+      <p:sp>
+        <p:nvSpPr>
+          <p:cNvPr id="3" name="Content Placeholder 2"/>
+          <p:cNvSpPr>
+            <a:spLocks noGrp="1"/>
+          </p:cNvSpPr>
+          <p:nvPr>
+            <p:ph idx="1"/>
+          </p:nvPr>
+        </p:nvSpPr>
+        <p:spPr/>
+        <p:txBody>
+          <a:bodyPr>
+            <a:normAutofit/>
+          </a:bodyPr>
+          <a:lstStyle/>
+          <a:p>
+            <a:r>
+              <a:rPr lang="en-US" sz="2800" dirty="0" smtClean="0"/>
+              <a:t>For Rural Resident:</a:t>
+            </a:r>
+          </a:p>
+          <a:p>
+            <a:pPr lvl="1"/>
+            <a:r>
+              <a:rPr lang="en-US" sz="2400" dirty="0">
+                <a:hlinkClick r:id="rId2"/>
+              </a:rPr>
+              <a:t>http://ec2-54-157-41-88.compute-1.amazonaws.com/index.html</a:t>
+            </a:r>
+            <a:endParaRPr lang="en-US" sz="2400" dirty="0"/>
+          </a:p>
+          <a:p>
+            <a:r>
+              <a:rPr lang="en-US" sz="2800" dirty="0" smtClean="0"/>
+              <a:t>For Caregiver/Provider: </a:t>
+            </a:r>
+          </a:p>
+          <a:p>
+            <a:pPr lvl="1"/>
+            <a:r>
+              <a:rPr lang="en-US" sz="2400" dirty="0">
+                <a:hlinkClick r:id="rId3"/>
+              </a:rPr>
+              <a:t>http://ec2-54-157-41-88.compute-1.amazonaws.com/indexProvider.html</a:t>
+            </a:r>
+            <a:endParaRPr lang="en-US" sz="2400" dirty="0"/>
+          </a:p>
+        </p:txBody>
+      </p:sp>
+      <p:sp>
+        <p:nvSpPr>
+          <p:cNvPr id="4" name="Slide Number Placeholder 3"/>
+          <p:cNvSpPr>
+            <a:spLocks noGrp="1"/>
+          </p:cNvSpPr>
+          <p:nvPr>
+            <p:ph type="sldNum" sz="quarter" idx="12"/>
+          </p:nvPr>
+        </p:nvSpPr>
+        <p:spPr/>
+        <p:txBody>
+          <a:bodyPr/>
+          <a:lstStyle/>
+          <a:p>
+            <a:fld id="{31DB0428-7B89-48B1-BFEB-934444E253F5}" type="slidenum">
+              <a:rPr lang="en-US" smtClean="0"/>
+              <a:t>6</a:t>
+            </a:fld>
+            <a:endParaRPr lang="en-US"/>
+          </a:p>
+        </p:txBody>
+      </p:sp>
+    </p:spTree>
+    <p:extLst>
+      <p:ext uri="{BB962C8B-B14F-4D97-AF65-F5344CB8AC3E}">
+        <p14:creationId xmlns:p14="http://schemas.microsoft.com/office/powerpoint/2010/main" val="757334390"/>
+      </p:ext>
+    </p:extLst>
+  </p:cSld>
+  <p:clrMapOvr>
+    <a:masterClrMapping/>
+  </p:clrMapOvr>
+</p:sld>
+</file>
+
+<file path=ppt/slides/slide7.xml><?xml version="1.0" encoding="utf-8"?>
+<p:sld xmlns:a="http://schemas.openxmlformats.org/drawingml/2006/main" xmlns:r="http://schemas.openxmlformats.org/officeDocument/2006/relationships" xmlns:p="http://schemas.openxmlformats.org/presentationml/2006/main">
+  <p:cSld>
+    <p:spTree>
+      <p:nvGrpSpPr>
+        <p:cNvPr id="1" name=""/>
+        <p:cNvGrpSpPr/>
+        <p:nvPr/>
+      </p:nvGrpSpPr>
+      <p:grpSpPr>
+        <a:xfrm>
+          <a:off x="0" y="0"/>
+          <a:ext cx="0" cy="0"/>
+          <a:chOff x="0" y="0"/>
+          <a:chExt cx="0" cy="0"/>
+        </a:xfrm>
+      </p:grpSpPr>
+      <p:sp>
+        <p:nvSpPr>
+          <p:cNvPr id="2" name="Title 1"/>
+          <p:cNvSpPr>
+            <a:spLocks noGrp="1"/>
+          </p:cNvSpPr>
+          <p:nvPr>
+            <p:ph type="title"/>
+          </p:nvPr>
+        </p:nvSpPr>
+        <p:spPr/>
+        <p:txBody>
+          <a:bodyPr/>
+          <a:lstStyle/>
+          <a:p>
+            <a:r>
+              <a:rPr lang="en-US" dirty="0" smtClean="0"/>
+              <a:t>Conclusion &amp; Future Work</a:t>
+            </a:r>
+            <a:endParaRPr lang="en-US" dirty="0"/>
+          </a:p>
+        </p:txBody>
+      </p:sp>
+      <p:sp>
+        <p:nvSpPr>
+          <p:cNvPr id="3" name="Content Placeholder 2"/>
+          <p:cNvSpPr>
+            <a:spLocks noGrp="1"/>
+          </p:cNvSpPr>
+          <p:nvPr>
+            <p:ph idx="1"/>
+          </p:nvPr>
+        </p:nvSpPr>
+        <p:spPr/>
+        <p:txBody>
+          <a:bodyPr>
+            <a:normAutofit/>
+          </a:bodyPr>
+          <a:lstStyle/>
+          <a:p>
+            <a:r>
+              <a:rPr lang="en-US" sz="2800" dirty="0" smtClean="0"/>
+              <a:t>For Rural Resident:</a:t>
+            </a:r>
+          </a:p>
+          <a:p>
+            <a:pPr lvl="1"/>
+            <a:r>
+              <a:rPr lang="en-US" sz="2400" dirty="0">
+                <a:hlinkClick r:id="rId2"/>
+              </a:rPr>
+              <a:t>http://ec2-54-157-41-88.compute-1.amazonaws.com/index.html</a:t>
+            </a:r>
+            <a:endParaRPr lang="en-US" sz="2400" dirty="0"/>
+          </a:p>
+          <a:p>
+            <a:r>
+              <a:rPr lang="en-US" sz="2800" dirty="0" smtClean="0"/>
+              <a:t>For Caregiver/Provider: </a:t>
+            </a:r>
+          </a:p>
+          <a:p>
+            <a:pPr lvl="1"/>
+            <a:r>
+              <a:rPr lang="en-US" sz="2400" dirty="0">
+                <a:hlinkClick r:id="rId3"/>
+              </a:rPr>
+              <a:t>http://ec2-54-157-41-88.compute-1.amazonaws.com/indexProvider.html</a:t>
+            </a:r>
+            <a:endParaRPr lang="en-US" sz="2400" dirty="0"/>
+          </a:p>
+        </p:txBody>
+      </p:sp>
+      <p:sp>
+        <p:nvSpPr>
+          <p:cNvPr id="4" name="Slide Number Placeholder 3"/>
+          <p:cNvSpPr>
+            <a:spLocks noGrp="1"/>
+          </p:cNvSpPr>
+          <p:nvPr>
+            <p:ph type="sldNum" sz="quarter" idx="12"/>
+          </p:nvPr>
+        </p:nvSpPr>
+        <p:spPr/>
+        <p:txBody>
+          <a:bodyPr/>
+          <a:lstStyle/>
+          <a:p>
+            <a:fld id="{31DB0428-7B89-48B1-BFEB-934444E253F5}" type="slidenum">
+              <a:rPr lang="en-US" smtClean="0"/>
+              <a:t>7</a:t>
+            </a:fld>
+            <a:endParaRPr lang="en-US"/>
+          </a:p>
+        </p:txBody>
+      </p:sp>
+    </p:spTree>
+    <p:extLst>
+      <p:ext uri="{BB962C8B-B14F-4D97-AF65-F5344CB8AC3E}">
+        <p14:creationId xmlns:p14="http://schemas.microsoft.com/office/powerpoint/2010/main" val="339766995"/>
+      </p:ext>
+    </p:extLst>
+  </p:cSld>
+  <p:clrMapOvr>
+    <a:masterClrMapping/>
+  </p:clrMapOvr>
+</p:sld>
+</file>
+
+<file path=ppt/slides/slide8.xml><?xml version="1.0" encoding="utf-8"?>
 <p:sld xmlns:a="http://schemas.openxmlformats.org/drawingml/2006/main" xmlns:r="http://schemas.openxmlformats.org/officeDocument/2006/relationships" xmlns:p="http://schemas.openxmlformats.org/presentationml/2006/main">
   <p:cSld>
     <p:spTree>

--- a/docs/Presentation.pptx
+++ b/docs/Presentation.pptx
@@ -3984,7 +3984,7 @@
           <a:p>
             <a:r>
               <a:rPr lang="en-US" dirty="0" smtClean="0"/>
-              <a:t>OSU Cowboy Team</a:t>
+              <a:t>OSU Go Pokes Team</a:t>
             </a:r>
             <a:endParaRPr lang="en-US" dirty="0" smtClean="0"/>
           </a:p>
@@ -4378,45 +4378,43 @@
         </p:nvSpPr>
         <p:spPr/>
         <p:txBody>
-          <a:bodyPr>
-            <a:normAutofit/>
-          </a:bodyPr>
-          <a:lstStyle/>
-          <a:p>
-            <a:r>
-              <a:rPr lang="en-US" sz="2800" dirty="0" smtClean="0"/>
+          <a:bodyPr/>
+          <a:lstStyle/>
+          <a:p>
+            <a:r>
+              <a:rPr lang="en-US" dirty="0" smtClean="0"/>
               <a:t>Motivation</a:t>
             </a:r>
           </a:p>
           <a:p>
             <a:r>
-              <a:rPr lang="en-US" sz="2800" dirty="0" smtClean="0"/>
+              <a:rPr lang="en-US" dirty="0" smtClean="0"/>
               <a:t>RuralCare – an </a:t>
             </a:r>
             <a:r>
-              <a:rPr lang="en-US" sz="2800" dirty="0" smtClean="0"/>
+              <a:rPr lang="en-US" dirty="0" smtClean="0"/>
               <a:t>game changer in rural healthcare</a:t>
             </a:r>
-            <a:endParaRPr lang="en-US" sz="2800" dirty="0" smtClean="0"/>
-          </a:p>
-          <a:p>
-            <a:r>
-              <a:rPr lang="en-US" sz="2800" dirty="0" smtClean="0"/>
+            <a:endParaRPr lang="en-US" dirty="0" smtClean="0"/>
+          </a:p>
+          <a:p>
+            <a:r>
+              <a:rPr lang="en-US" dirty="0" smtClean="0"/>
               <a:t>Implementation</a:t>
             </a:r>
           </a:p>
           <a:p>
             <a:r>
-              <a:rPr lang="en-US" sz="2800" dirty="0" smtClean="0"/>
+              <a:rPr lang="en-US" dirty="0" smtClean="0"/>
               <a:t>Demonstration</a:t>
             </a:r>
           </a:p>
           <a:p>
             <a:r>
-              <a:rPr lang="en-US" sz="2800" dirty="0" smtClean="0"/>
+              <a:rPr lang="en-US" dirty="0" smtClean="0"/>
               <a:t>Conclusion &amp; Future Work</a:t>
             </a:r>
-            <a:endParaRPr lang="en-US" sz="2800" dirty="0" smtClean="0"/>
+            <a:endParaRPr lang="en-US" dirty="0" smtClean="0"/>
           </a:p>
         </p:txBody>
       </p:sp>
@@ -4505,25 +4503,6 @@
       </p:sp>
       <p:sp>
         <p:nvSpPr>
-          <p:cNvPr id="3" name="Content Placeholder 2"/>
-          <p:cNvSpPr>
-            <a:spLocks noGrp="1"/>
-          </p:cNvSpPr>
-          <p:nvPr>
-            <p:ph idx="1"/>
-          </p:nvPr>
-        </p:nvSpPr>
-        <p:spPr/>
-        <p:txBody>
-          <a:bodyPr/>
-          <a:lstStyle/>
-          <a:p>
-            <a:endParaRPr lang="en-US"/>
-          </a:p>
-        </p:txBody>
-      </p:sp>
-      <p:sp>
-        <p:nvSpPr>
           <p:cNvPr id="4" name="Slide Number Placeholder 3"/>
           <p:cNvSpPr>
             <a:spLocks noGrp="1"/>
@@ -4542,6 +4521,152 @@
               <a:t>3</a:t>
             </a:fld>
             <a:endParaRPr lang="en-US"/>
+          </a:p>
+        </p:txBody>
+      </p:sp>
+      <p:sp>
+        <p:nvSpPr>
+          <p:cNvPr id="6" name="Content Placeholder 5"/>
+          <p:cNvSpPr>
+            <a:spLocks noGrp="1"/>
+          </p:cNvSpPr>
+          <p:nvPr>
+            <p:ph idx="1"/>
+          </p:nvPr>
+        </p:nvSpPr>
+        <p:spPr/>
+        <p:txBody>
+          <a:bodyPr>
+            <a:normAutofit lnSpcReduction="10000"/>
+          </a:bodyPr>
+          <a:lstStyle/>
+          <a:p>
+            <a:r>
+              <a:rPr lang="en-US" sz="2800" dirty="0"/>
+              <a:t>At the time of 2010, almost </a:t>
+            </a:r>
+            <a:r>
+              <a:rPr lang="en-US" sz="2800" b="1" dirty="0"/>
+              <a:t>60 million</a:t>
+            </a:r>
+            <a:r>
+              <a:rPr lang="en-US" sz="2800" dirty="0"/>
+              <a:t> people, about </a:t>
+            </a:r>
+            <a:r>
+              <a:rPr lang="en-US" sz="2800" b="1" dirty="0" smtClean="0"/>
+              <a:t>19%</a:t>
+            </a:r>
+            <a:r>
+              <a:rPr lang="en-US" sz="2800" dirty="0" smtClean="0"/>
+              <a:t> </a:t>
+            </a:r>
+            <a:r>
+              <a:rPr lang="en-US" sz="2800" dirty="0"/>
+              <a:t>of the population, lived in rural areas of the United States. </a:t>
+            </a:r>
+            <a:endParaRPr lang="en-US" sz="2800" dirty="0" smtClean="0"/>
+          </a:p>
+          <a:p>
+            <a:r>
+              <a:rPr lang="en-US" sz="2800" dirty="0"/>
+              <a:t>Rural residents have </a:t>
+            </a:r>
+            <a:r>
+              <a:rPr lang="en-US" sz="2800" b="1" dirty="0"/>
+              <a:t>greater transportation difficulties </a:t>
+            </a:r>
+            <a:r>
+              <a:rPr lang="en-US" sz="2800" dirty="0"/>
+              <a:t>reaching health care providers, often traveling great distances to reach a doctor or </a:t>
+            </a:r>
+            <a:r>
+              <a:rPr lang="en-US" sz="2800" dirty="0" smtClean="0"/>
+              <a:t>hospital</a:t>
+            </a:r>
+          </a:p>
+          <a:p>
+            <a:r>
+              <a:rPr lang="en-US" sz="2800" dirty="0" smtClean="0"/>
+              <a:t>Rural </a:t>
+            </a:r>
+            <a:r>
+              <a:rPr lang="en-US" sz="2800" dirty="0"/>
+              <a:t>residents tend to be </a:t>
+            </a:r>
+            <a:r>
+              <a:rPr lang="en-US" sz="2800" b="1" dirty="0" smtClean="0"/>
+              <a:t>poorer</a:t>
+            </a:r>
+          </a:p>
+          <a:p>
+            <a:r>
+              <a:rPr lang="en-US" sz="2800" dirty="0"/>
+              <a:t>The situation is even worse in Oklahoma, with </a:t>
+            </a:r>
+            <a:r>
+              <a:rPr lang="en-US" sz="2800" b="1" dirty="0"/>
+              <a:t>30%</a:t>
+            </a:r>
+            <a:r>
+              <a:rPr lang="en-US" sz="2800" dirty="0"/>
+              <a:t> of the population living in rural areas. “It takes a long time to get anywhere from </a:t>
+            </a:r>
+            <a:r>
+              <a:rPr lang="en-US" sz="2800" dirty="0" smtClean="0"/>
+              <a:t>Eufaula”</a:t>
+            </a:r>
+          </a:p>
+          <a:p>
+            <a:pPr marL="0" indent="0">
+              <a:buNone/>
+            </a:pPr>
+            <a:r>
+              <a:rPr lang="en-US" sz="2800" dirty="0" smtClean="0">
+                <a:sym typeface="Wingdings" panose="05000000000000000000" pitchFamily="2" charset="2"/>
+              </a:rPr>
+              <a:t></a:t>
+            </a:r>
+            <a:r>
+              <a:rPr lang="en-US" sz="2800" dirty="0" smtClean="0"/>
+              <a:t>Therefore</a:t>
+            </a:r>
+            <a:r>
+              <a:rPr lang="en-US" sz="2800" dirty="0"/>
+              <a:t>, there is a </a:t>
+            </a:r>
+            <a:r>
+              <a:rPr lang="en-US" sz="2800" b="1" dirty="0"/>
+              <a:t>strong need for an innovative solution </a:t>
+            </a:r>
+            <a:r>
+              <a:rPr lang="en-US" sz="2800" dirty="0"/>
+              <a:t>to help </a:t>
+            </a:r>
+            <a:r>
+              <a:rPr lang="en-US" sz="2800" b="1" dirty="0"/>
+              <a:t>rural residents </a:t>
+            </a:r>
+            <a:r>
+              <a:rPr lang="en-US" sz="2800" dirty="0"/>
+              <a:t>in Oklahoma and in America to </a:t>
+            </a:r>
+            <a:r>
+              <a:rPr lang="en-US" sz="2800" dirty="0" smtClean="0"/>
+              <a:t>access high quality </a:t>
+            </a:r>
+            <a:r>
+              <a:rPr lang="en-US" sz="2800" b="1" dirty="0"/>
+              <a:t>healthcare services</a:t>
+            </a:r>
+            <a:r>
+              <a:rPr lang="en-US" sz="2800" dirty="0"/>
+              <a:t>.</a:t>
+            </a:r>
+            <a:endParaRPr lang="en-US" sz="2800" dirty="0" smtClean="0"/>
+          </a:p>
+          <a:p>
+            <a:endParaRPr lang="en-US" sz="2800" dirty="0"/>
           </a:p>
         </p:txBody>
       </p:sp>
@@ -4555,6 +4680,13 @@
   <p:clrMapOvr>
     <a:masterClrMapping/>
   </p:clrMapOvr>
+  <p:timing>
+    <p:tnLst>
+      <p:par>
+        <p:cTn id="1" dur="indefinite" restart="never" nodeType="tmRoot"/>
+      </p:par>
+    </p:tnLst>
+  </p:timing>
 </p:sld>
 </file>
 
@@ -5046,35 +5178,48 @@
           <a:lstStyle/>
           <a:p>
             <a:r>
-              <a:rPr lang="en-US" sz="2800" dirty="0" smtClean="0"/>
-              <a:t>For Rural Resident:</a:t>
+              <a:rPr lang="en-US" dirty="0" smtClean="0"/>
+              <a:t>A prototype for RuralCare system based on AWS IoTs</a:t>
             </a:r>
           </a:p>
           <a:p>
             <a:pPr lvl="1"/>
             <a:r>
-              <a:rPr lang="en-US" sz="2400" dirty="0">
-                <a:hlinkClick r:id="rId2"/>
-              </a:rPr>
-              <a:t>http://ec2-54-157-41-88.compute-1.amazonaws.com/index.html</a:t>
-            </a:r>
-            <a:endParaRPr lang="en-US" sz="2400" dirty="0"/>
-          </a:p>
-          <a:p>
-            <a:r>
-              <a:rPr lang="en-US" sz="2800" dirty="0" smtClean="0"/>
-              <a:t>For Caregiver/Provider: </a:t>
+              <a:rPr lang="en-US" dirty="0" smtClean="0"/>
+              <a:t>Smart Jacket with sensors</a:t>
             </a:r>
           </a:p>
           <a:p>
             <a:pPr lvl="1"/>
             <a:r>
-              <a:rPr lang="en-US" sz="2400" dirty="0">
-                <a:hlinkClick r:id="rId3"/>
-              </a:rPr>
-              <a:t>http://ec2-54-157-41-88.compute-1.amazonaws.com/indexProvider.html</a:t>
-            </a:r>
-            <a:endParaRPr lang="en-US" sz="2400" dirty="0"/>
+              <a:rPr lang="en-US" dirty="0" smtClean="0"/>
+              <a:t>Data synchronization with AWS</a:t>
+            </a:r>
+          </a:p>
+          <a:p>
+            <a:pPr lvl="1"/>
+            <a:r>
+              <a:rPr lang="en-US" dirty="0" err="1" smtClean="0"/>
+              <a:t>Webapp</a:t>
+            </a:r>
+            <a:r>
+              <a:rPr lang="en-US" dirty="0" smtClean="0"/>
+              <a:t> for Rural Residents and Providers</a:t>
+            </a:r>
+          </a:p>
+          <a:p>
+            <a:r>
+              <a:rPr lang="en-US" dirty="0" smtClean="0"/>
+              <a:t>Future Work</a:t>
+            </a:r>
+          </a:p>
+          <a:p>
+            <a:pPr lvl="1"/>
+            <a:endParaRPr lang="en-US" dirty="0" smtClean="0"/>
+          </a:p>
+          <a:p>
+            <a:pPr lvl="1"/>
+            <a:endParaRPr lang="en-US" dirty="0"/>
           </a:p>
         </p:txBody>
       </p:sp>
